--- a/Daily Agendas/Day12.2_ArduinoSensors5_Nov21.pptx
+++ b/Daily Agendas/Day12.2_ArduinoSensors5_Nov21.pptx
@@ -7,14 +7,15 @@
   <p:sldIdLst>
     <p:sldId id="256" r:id="rId2"/>
     <p:sldId id="257" r:id="rId3"/>
-    <p:sldId id="265" r:id="rId4"/>
-    <p:sldId id="266" r:id="rId5"/>
-    <p:sldId id="267" r:id="rId6"/>
-    <p:sldId id="268" r:id="rId7"/>
-    <p:sldId id="270" r:id="rId8"/>
-    <p:sldId id="269" r:id="rId9"/>
-    <p:sldId id="272" r:id="rId10"/>
-    <p:sldId id="271" r:id="rId11"/>
+    <p:sldId id="273" r:id="rId4"/>
+    <p:sldId id="265" r:id="rId5"/>
+    <p:sldId id="266" r:id="rId6"/>
+    <p:sldId id="267" r:id="rId7"/>
+    <p:sldId id="268" r:id="rId8"/>
+    <p:sldId id="270" r:id="rId9"/>
+    <p:sldId id="269" r:id="rId10"/>
+    <p:sldId id="272" r:id="rId11"/>
+    <p:sldId id="271" r:id="rId12"/>
   </p:sldIdLst>
   <p:sldSz cx="9144000" cy="6858000" type="screen4x3"/>
   <p:notesSz cx="7023100" cy="9309100"/>
@@ -312,7 +313,7 @@
             <a:fld id="{1D8BD707-D9CF-40AE-B4C6-C98DA3205C09}" type="datetimeFigureOut">
               <a:rPr lang="en-US" smtClean="0"/>
               <a:pPr/>
-              <a:t>11/20/2017</a:t>
+              <a:t>11/21/2017</a:t>
             </a:fld>
             <a:endParaRPr lang="en-US"/>
           </a:p>
@@ -477,7 +478,7 @@
             <a:fld id="{1D8BD707-D9CF-40AE-B4C6-C98DA3205C09}" type="datetimeFigureOut">
               <a:rPr lang="en-US" smtClean="0"/>
               <a:pPr/>
-              <a:t>11/20/2017</a:t>
+              <a:t>11/21/2017</a:t>
             </a:fld>
             <a:endParaRPr lang="en-US"/>
           </a:p>
@@ -652,7 +653,7 @@
             <a:fld id="{1D8BD707-D9CF-40AE-B4C6-C98DA3205C09}" type="datetimeFigureOut">
               <a:rPr lang="en-US" smtClean="0"/>
               <a:pPr/>
-              <a:t>11/20/2017</a:t>
+              <a:t>11/21/2017</a:t>
             </a:fld>
             <a:endParaRPr lang="en-US"/>
           </a:p>
@@ -817,7 +818,7 @@
             <a:fld id="{1D8BD707-D9CF-40AE-B4C6-C98DA3205C09}" type="datetimeFigureOut">
               <a:rPr lang="en-US" smtClean="0"/>
               <a:pPr/>
-              <a:t>11/20/2017</a:t>
+              <a:t>11/21/2017</a:t>
             </a:fld>
             <a:endParaRPr lang="en-US"/>
           </a:p>
@@ -1059,7 +1060,7 @@
             <a:fld id="{1D8BD707-D9CF-40AE-B4C6-C98DA3205C09}" type="datetimeFigureOut">
               <a:rPr lang="en-US" smtClean="0"/>
               <a:pPr/>
-              <a:t>11/20/2017</a:t>
+              <a:t>11/21/2017</a:t>
             </a:fld>
             <a:endParaRPr lang="en-US"/>
           </a:p>
@@ -1341,7 +1342,7 @@
             <a:fld id="{1D8BD707-D9CF-40AE-B4C6-C98DA3205C09}" type="datetimeFigureOut">
               <a:rPr lang="en-US" smtClean="0"/>
               <a:pPr/>
-              <a:t>11/20/2017</a:t>
+              <a:t>11/21/2017</a:t>
             </a:fld>
             <a:endParaRPr lang="en-US"/>
           </a:p>
@@ -1757,7 +1758,7 @@
             <a:fld id="{1D8BD707-D9CF-40AE-B4C6-C98DA3205C09}" type="datetimeFigureOut">
               <a:rPr lang="en-US" smtClean="0"/>
               <a:pPr/>
-              <a:t>11/20/2017</a:t>
+              <a:t>11/21/2017</a:t>
             </a:fld>
             <a:endParaRPr lang="en-US"/>
           </a:p>
@@ -1871,7 +1872,7 @@
             <a:fld id="{1D8BD707-D9CF-40AE-B4C6-C98DA3205C09}" type="datetimeFigureOut">
               <a:rPr lang="en-US" smtClean="0"/>
               <a:pPr/>
-              <a:t>11/20/2017</a:t>
+              <a:t>11/21/2017</a:t>
             </a:fld>
             <a:endParaRPr lang="en-US"/>
           </a:p>
@@ -1963,7 +1964,7 @@
             <a:fld id="{1D8BD707-D9CF-40AE-B4C6-C98DA3205C09}" type="datetimeFigureOut">
               <a:rPr lang="en-US" smtClean="0"/>
               <a:pPr/>
-              <a:t>11/20/2017</a:t>
+              <a:t>11/21/2017</a:t>
             </a:fld>
             <a:endParaRPr lang="en-US"/>
           </a:p>
@@ -2235,7 +2236,7 @@
             <a:fld id="{1D8BD707-D9CF-40AE-B4C6-C98DA3205C09}" type="datetimeFigureOut">
               <a:rPr lang="en-US" smtClean="0"/>
               <a:pPr/>
-              <a:t>11/20/2017</a:t>
+              <a:t>11/21/2017</a:t>
             </a:fld>
             <a:endParaRPr lang="en-US"/>
           </a:p>
@@ -2484,7 +2485,7 @@
             <a:fld id="{1D8BD707-D9CF-40AE-B4C6-C98DA3205C09}" type="datetimeFigureOut">
               <a:rPr lang="en-US" smtClean="0"/>
               <a:pPr/>
-              <a:t>11/20/2017</a:t>
+              <a:t>11/21/2017</a:t>
             </a:fld>
             <a:endParaRPr lang="en-US"/>
           </a:p>
@@ -2692,7 +2693,7 @@
             <a:fld id="{1D8BD707-D9CF-40AE-B4C6-C98DA3205C09}" type="datetimeFigureOut">
               <a:rPr lang="en-US" smtClean="0"/>
               <a:pPr/>
-              <a:t>11/20/2017</a:t>
+              <a:t>11/21/2017</a:t>
             </a:fld>
             <a:endParaRPr lang="en-US"/>
           </a:p>
@@ -3214,6 +3215,135 @@
           <a:bodyPr/>
           <a:lstStyle/>
           <a:p>
+            <a:r>
+              <a:rPr lang="en-CA" dirty="0"/>
+              <a:t>Action – Cat Like Objects</a:t>
+            </a:r>
+            <a:endParaRPr lang="en-US" dirty="0"/>
+          </a:p>
+        </p:txBody>
+      </p:sp>
+      <p:sp>
+        <p:nvSpPr>
+          <p:cNvPr id="3" name="Content Placeholder 2"/>
+          <p:cNvSpPr>
+            <a:spLocks noGrp="1"/>
+          </p:cNvSpPr>
+          <p:nvPr>
+            <p:ph idx="1"/>
+          </p:nvPr>
+        </p:nvSpPr>
+        <p:spPr/>
+        <p:txBody>
+          <a:bodyPr/>
+          <a:lstStyle/>
+          <a:p>
+            <a:r>
+              <a:rPr lang="en-CA" dirty="0"/>
+              <a:t>Input Object:</a:t>
+            </a:r>
+          </a:p>
+          <a:p>
+            <a:endParaRPr lang="en-CA" dirty="0"/>
+          </a:p>
+          <a:p>
+            <a:endParaRPr lang="en-CA" dirty="0"/>
+          </a:p>
+          <a:p>
+            <a:r>
+              <a:rPr lang="en-CA" dirty="0"/>
+              <a:t>Action:</a:t>
+            </a:r>
+            <a:endParaRPr lang="en-US" dirty="0"/>
+          </a:p>
+        </p:txBody>
+      </p:sp>
+      <p:pic>
+        <p:nvPicPr>
+          <p:cNvPr id="1026" name="Picture 2" descr="https://maxcdn.icons8.com/Share/icon/Household/garage_closed1600.png"/>
+          <p:cNvPicPr>
+            <a:picLocks noChangeAspect="1" noChangeArrowheads="1"/>
+          </p:cNvPicPr>
+          <p:nvPr/>
+        </p:nvPicPr>
+        <p:blipFill>
+          <a:blip r:embed="rId2" cstate="print">
+            <a:extLst>
+              <a:ext uri="{28A0092B-C50C-407E-A947-70E740481C1C}">
+                <a14:useLocalDpi xmlns:a14="http://schemas.microsoft.com/office/drawing/2010/main" val="0"/>
+              </a:ext>
+            </a:extLst>
+          </a:blip>
+          <a:srcRect/>
+          <a:stretch>
+            <a:fillRect/>
+          </a:stretch>
+        </p:blipFill>
+        <p:spPr bwMode="auto">
+          <a:xfrm>
+            <a:off x="4343400" y="1752600"/>
+            <a:ext cx="2645568" cy="2645568"/>
+          </a:xfrm>
+          <a:prstGeom prst="rect">
+            <a:avLst/>
+          </a:prstGeom>
+          <a:noFill/>
+          <a:extLst>
+            <a:ext uri="{909E8E84-426E-40DD-AFC4-6F175D3DCCD1}">
+              <a14:hiddenFill xmlns:a14="http://schemas.microsoft.com/office/drawing/2010/main">
+                <a:solidFill>
+                  <a:srgbClr val="FFFFFF"/>
+                </a:solidFill>
+              </a14:hiddenFill>
+            </a:ext>
+          </a:extLst>
+        </p:spPr>
+      </p:pic>
+    </p:spTree>
+    <p:extLst>
+      <p:ext uri="{BB962C8B-B14F-4D97-AF65-F5344CB8AC3E}">
+        <p14:creationId xmlns:p14="http://schemas.microsoft.com/office/powerpoint/2010/main" val="3120621960"/>
+      </p:ext>
+    </p:extLst>
+  </p:cSld>
+  <p:clrMapOvr>
+    <a:masterClrMapping/>
+  </p:clrMapOvr>
+</p:sld>
+</file>
+
+<file path=ppt/slides/slide11.xml><?xml version="1.0" encoding="utf-8"?>
+<p:sld xmlns:a="http://schemas.openxmlformats.org/drawingml/2006/main" xmlns:r="http://schemas.openxmlformats.org/officeDocument/2006/relationships" xmlns:p="http://schemas.openxmlformats.org/presentationml/2006/main">
+  <p:cSld>
+    <p:spTree>
+      <p:nvGrpSpPr>
+        <p:cNvPr id="1" name=""/>
+        <p:cNvGrpSpPr/>
+        <p:nvPr/>
+      </p:nvGrpSpPr>
+      <p:grpSpPr>
+        <a:xfrm>
+          <a:off x="0" y="0"/>
+          <a:ext cx="0" cy="0"/>
+          <a:chOff x="0" y="0"/>
+          <a:chExt cx="0" cy="0"/>
+        </a:xfrm>
+      </p:grpSpPr>
+      <p:sp>
+        <p:nvSpPr>
+          <p:cNvPr id="2" name="Title 1"/>
+          <p:cNvSpPr>
+            <a:spLocks noGrp="1"/>
+          </p:cNvSpPr>
+          <p:nvPr>
+            <p:ph type="title"/>
+          </p:nvPr>
+        </p:nvSpPr>
+        <p:spPr/>
+        <p:txBody>
+          <a:bodyPr/>
+          <a:lstStyle/>
+          <a:p>
             <a:endParaRPr lang="en-US"/>
           </a:p>
         </p:txBody>
@@ -3318,21 +3448,21 @@
                 <a:gridCol w="2722656">
                   <a:extLst>
                     <a:ext uri="{9D8B030D-6E8A-4147-A177-3AD203B41FA5}">
-                      <a16:colId xmlns:a16="http://schemas.microsoft.com/office/drawing/2014/main" val="20000"/>
+                      <a16:colId xmlns:a16="http://schemas.microsoft.com/office/drawing/2014/main" xmlns="" val="20000"/>
                     </a:ext>
                   </a:extLst>
                 </a:gridCol>
                 <a:gridCol w="2722656">
                   <a:extLst>
                     <a:ext uri="{9D8B030D-6E8A-4147-A177-3AD203B41FA5}">
-                      <a16:colId xmlns:a16="http://schemas.microsoft.com/office/drawing/2014/main" val="20001"/>
+                      <a16:colId xmlns:a16="http://schemas.microsoft.com/office/drawing/2014/main" xmlns="" val="20001"/>
                     </a:ext>
                   </a:extLst>
                 </a:gridCol>
                 <a:gridCol w="2722656">
                   <a:extLst>
                     <a:ext uri="{9D8B030D-6E8A-4147-A177-3AD203B41FA5}">
-                      <a16:colId xmlns:a16="http://schemas.microsoft.com/office/drawing/2014/main" val="20002"/>
+                      <a16:colId xmlns:a16="http://schemas.microsoft.com/office/drawing/2014/main" xmlns="" val="20002"/>
                     </a:ext>
                   </a:extLst>
                 </a:gridCol>
@@ -3393,7 +3523,7 @@
                 </a:tc>
                 <a:extLst>
                   <a:ext uri="{0D108BD9-81ED-4DB2-BD59-A6C34878D82A}">
-                    <a16:rowId xmlns:a16="http://schemas.microsoft.com/office/drawing/2014/main" val="10000"/>
+                    <a16:rowId xmlns:a16="http://schemas.microsoft.com/office/drawing/2014/main" xmlns="" val="10000"/>
                   </a:ext>
                 </a:extLst>
               </a:tr>
@@ -3539,7 +3669,7 @@
                 </a:tc>
                 <a:extLst>
                   <a:ext uri="{0D108BD9-81ED-4DB2-BD59-A6C34878D82A}">
-                    <a16:rowId xmlns:a16="http://schemas.microsoft.com/office/drawing/2014/main" val="10001"/>
+                    <a16:rowId xmlns:a16="http://schemas.microsoft.com/office/drawing/2014/main" xmlns="" val="10001"/>
                   </a:ext>
                 </a:extLst>
               </a:tr>
@@ -3575,21 +3705,21 @@
                 <a:gridCol w="2722656">
                   <a:extLst>
                     <a:ext uri="{9D8B030D-6E8A-4147-A177-3AD203B41FA5}">
-                      <a16:colId xmlns:a16="http://schemas.microsoft.com/office/drawing/2014/main" val="20000"/>
+                      <a16:colId xmlns:a16="http://schemas.microsoft.com/office/drawing/2014/main" xmlns="" val="20000"/>
                     </a:ext>
                   </a:extLst>
                 </a:gridCol>
                 <a:gridCol w="2722656">
                   <a:extLst>
                     <a:ext uri="{9D8B030D-6E8A-4147-A177-3AD203B41FA5}">
-                      <a16:colId xmlns:a16="http://schemas.microsoft.com/office/drawing/2014/main" val="20001"/>
+                      <a16:colId xmlns:a16="http://schemas.microsoft.com/office/drawing/2014/main" xmlns="" val="20001"/>
                     </a:ext>
                   </a:extLst>
                 </a:gridCol>
                 <a:gridCol w="2722656">
                   <a:extLst>
                     <a:ext uri="{9D8B030D-6E8A-4147-A177-3AD203B41FA5}">
-                      <a16:colId xmlns:a16="http://schemas.microsoft.com/office/drawing/2014/main" val="20002"/>
+                      <a16:colId xmlns:a16="http://schemas.microsoft.com/office/drawing/2014/main" xmlns="" val="20002"/>
                     </a:ext>
                   </a:extLst>
                 </a:gridCol>
@@ -3654,7 +3784,7 @@
                 </a:tc>
                 <a:extLst>
                   <a:ext uri="{0D108BD9-81ED-4DB2-BD59-A6C34878D82A}">
-                    <a16:rowId xmlns:a16="http://schemas.microsoft.com/office/drawing/2014/main" val="10000"/>
+                    <a16:rowId xmlns:a16="http://schemas.microsoft.com/office/drawing/2014/main" xmlns="" val="10000"/>
                   </a:ext>
                 </a:extLst>
               </a:tr>
@@ -3777,7 +3907,7 @@
                 </a:tc>
                 <a:extLst>
                   <a:ext uri="{0D108BD9-81ED-4DB2-BD59-A6C34878D82A}">
-                    <a16:rowId xmlns:a16="http://schemas.microsoft.com/office/drawing/2014/main" val="10001"/>
+                    <a16:rowId xmlns:a16="http://schemas.microsoft.com/office/drawing/2014/main" xmlns="" val="10001"/>
                   </a:ext>
                 </a:extLst>
               </a:tr>
@@ -3815,139 +3945,791 @@
           <a:chExt cx="0" cy="0"/>
         </a:xfrm>
       </p:grpSpPr>
-      <p:sp>
-        <p:nvSpPr>
-          <p:cNvPr id="2" name="Title 1"/>
-          <p:cNvSpPr>
-            <a:spLocks noGrp="1"/>
-          </p:cNvSpPr>
-          <p:nvPr>
-            <p:ph type="title"/>
-          </p:nvPr>
-        </p:nvSpPr>
-        <p:spPr/>
-        <p:txBody>
-          <a:bodyPr/>
-          <a:lstStyle/>
-          <a:p>
-            <a:r>
-              <a:rPr lang="en-CA" dirty="0"/>
-              <a:t>Part 1 – Example Program</a:t>
-            </a:r>
-            <a:endParaRPr lang="en-US" dirty="0"/>
-          </a:p>
-        </p:txBody>
-      </p:sp>
-      <p:sp>
-        <p:nvSpPr>
-          <p:cNvPr id="3" name="Content Placeholder 2"/>
-          <p:cNvSpPr>
-            <a:spLocks noGrp="1"/>
-          </p:cNvSpPr>
-          <p:nvPr>
-            <p:ph idx="1"/>
-          </p:nvPr>
-        </p:nvSpPr>
-        <p:spPr/>
-        <p:txBody>
-          <a:bodyPr/>
-          <a:lstStyle/>
-          <a:p>
-            <a:pPr marL="514350" indent="-514350">
-              <a:buFont typeface="+mj-lt"/>
-              <a:buAutoNum type="arabicPeriod"/>
-            </a:pPr>
-            <a:r>
-              <a:rPr lang="en-CA" dirty="0"/>
-              <a:t>Research Your Sensor</a:t>
-            </a:r>
-            <a:br>
-              <a:rPr lang="en-CA" dirty="0"/>
-            </a:br>
-            <a:endParaRPr lang="en-CA" dirty="0"/>
-          </a:p>
-          <a:p>
-            <a:pPr marL="514350" indent="-514350">
-              <a:buFont typeface="+mj-lt"/>
-              <a:buAutoNum type="arabicPeriod"/>
-            </a:pPr>
-            <a:r>
-              <a:rPr lang="en-CA" dirty="0"/>
-              <a:t>Wire Your Board</a:t>
-            </a:r>
-            <a:br>
-              <a:rPr lang="en-CA" dirty="0"/>
-            </a:br>
-            <a:endParaRPr lang="en-CA" dirty="0"/>
-          </a:p>
-          <a:p>
-            <a:pPr marL="514350" indent="-514350">
-              <a:buFont typeface="+mj-lt"/>
-              <a:buAutoNum type="arabicPeriod"/>
-            </a:pPr>
-            <a:r>
-              <a:rPr lang="en-CA" dirty="0"/>
-              <a:t>Import the Example Program</a:t>
-            </a:r>
-            <a:br>
-              <a:rPr lang="en-CA" dirty="0"/>
-            </a:br>
-            <a:endParaRPr lang="en-CA" dirty="0"/>
-          </a:p>
-          <a:p>
-            <a:pPr marL="514350" indent="-514350">
-              <a:buFont typeface="+mj-lt"/>
-              <a:buAutoNum type="arabicPeriod"/>
-            </a:pPr>
-            <a:r>
-              <a:rPr lang="en-CA" dirty="0"/>
-              <a:t>Run the Example Program</a:t>
-            </a:r>
-          </a:p>
-        </p:txBody>
-      </p:sp>
-      <p:sp>
-        <p:nvSpPr>
-          <p:cNvPr id="4" name="TextBox 3"/>
-          <p:cNvSpPr txBox="1"/>
-          <p:nvPr/>
-        </p:nvSpPr>
-        <p:spPr>
-          <a:xfrm>
-            <a:off x="1600200" y="5664498"/>
-            <a:ext cx="5273047" cy="461665"/>
-          </a:xfrm>
-          <a:prstGeom prst="rect">
-            <a:avLst/>
-          </a:prstGeom>
-          <a:noFill/>
-        </p:spPr>
-        <p:txBody>
-          <a:bodyPr wrap="none" rtlCol="0">
-            <a:spAutoFit/>
-          </a:bodyPr>
-          <a:lstStyle/>
-          <a:p>
-            <a:r>
-              <a:rPr lang="en-CA" sz="2400" b="1" dirty="0">
-                <a:solidFill>
-                  <a:srgbClr val="FF0000"/>
-                </a:solidFill>
-              </a:rPr>
-              <a:t>Show Your Running Board To Mr. Nestor</a:t>
-            </a:r>
-            <a:endParaRPr lang="en-US" sz="2400" b="1" dirty="0">
-              <a:solidFill>
-                <a:srgbClr val="FF0000"/>
-              </a:solidFill>
-            </a:endParaRPr>
-          </a:p>
-        </p:txBody>
-      </p:sp>
+      <p:graphicFrame>
+        <p:nvGraphicFramePr>
+          <p:cNvPr id="4" name="Table 3"/>
+          <p:cNvGraphicFramePr>
+            <a:graphicFrameLocks noGrp="1"/>
+          </p:cNvGraphicFramePr>
+          <p:nvPr>
+            <p:extLst>
+              <p:ext uri="{D42A27DB-BD31-4B8C-83A1-F6EECF244321}">
+                <p14:modId xmlns:p14="http://schemas.microsoft.com/office/powerpoint/2010/main" val="1845207343"/>
+              </p:ext>
+            </p:extLst>
+          </p:nvPr>
+        </p:nvGraphicFramePr>
+        <p:xfrm>
+          <a:off x="533400" y="533398"/>
+          <a:ext cx="7772400" cy="4648200"/>
+        </p:xfrm>
+        <a:graphic>
+          <a:graphicData uri="http://schemas.openxmlformats.org/drawingml/2006/table">
+            <a:tbl>
+              <a:tblPr firstRow="1" bandRow="1">
+                <a:tableStyleId>{5940675A-B579-460E-94D1-54222C63F5DA}</a:tableStyleId>
+              </a:tblPr>
+              <a:tblGrid>
+                <a:gridCol w="1554480"/>
+                <a:gridCol w="1554480"/>
+                <a:gridCol w="1554480"/>
+                <a:gridCol w="1554480"/>
+                <a:gridCol w="1554480"/>
+              </a:tblGrid>
+              <a:tr h="543519">
+                <a:tc>
+                  <a:txBody>
+                    <a:bodyPr/>
+                    <a:lstStyle/>
+                    <a:p>
+                      <a:pPr algn="ctr"/>
+                      <a:r>
+                        <a:rPr lang="en-CA" sz="1400" dirty="0" smtClean="0"/>
+                        <a:t>Group #</a:t>
+                      </a:r>
+                      <a:endParaRPr lang="en-US" sz="1400" dirty="0"/>
+                    </a:p>
+                  </a:txBody>
+                  <a:tcPr anchor="ctr"/>
+                </a:tc>
+                <a:tc>
+                  <a:txBody>
+                    <a:bodyPr/>
+                    <a:lstStyle/>
+                    <a:p>
+                      <a:pPr algn="ctr"/>
+                      <a:r>
+                        <a:rPr lang="en-CA" sz="1400" dirty="0" smtClean="0"/>
+                        <a:t>Diagram</a:t>
+                      </a:r>
+                    </a:p>
+                    <a:p>
+                      <a:pPr algn="ctr"/>
+                      <a:r>
+                        <a:rPr lang="en-CA" sz="1400" dirty="0" smtClean="0"/>
+                        <a:t>Specialist</a:t>
+                      </a:r>
+                      <a:endParaRPr lang="en-US" sz="1400" dirty="0"/>
+                    </a:p>
+                  </a:txBody>
+                  <a:tcPr anchor="ctr"/>
+                </a:tc>
+                <a:tc>
+                  <a:txBody>
+                    <a:bodyPr/>
+                    <a:lstStyle/>
+                    <a:p>
+                      <a:pPr algn="ctr"/>
+                      <a:r>
+                        <a:rPr lang="en-CA" sz="1400" dirty="0" smtClean="0"/>
+                        <a:t>Initialization</a:t>
+                      </a:r>
+                    </a:p>
+                    <a:p>
+                      <a:pPr algn="ctr"/>
+                      <a:r>
+                        <a:rPr lang="en-CA" sz="1400" dirty="0" smtClean="0"/>
+                        <a:t>Specialist</a:t>
+                      </a:r>
+                      <a:endParaRPr lang="en-US" sz="1400" dirty="0"/>
+                    </a:p>
+                  </a:txBody>
+                  <a:tcPr anchor="ctr"/>
+                </a:tc>
+                <a:tc>
+                  <a:txBody>
+                    <a:bodyPr/>
+                    <a:lstStyle/>
+                    <a:p>
+                      <a:pPr algn="ctr"/>
+                      <a:r>
+                        <a:rPr lang="en-CA" sz="1400" dirty="0" smtClean="0"/>
+                        <a:t>Main Loop </a:t>
+                      </a:r>
+                    </a:p>
+                    <a:p>
+                      <a:pPr algn="ctr"/>
+                      <a:r>
+                        <a:rPr lang="en-CA" sz="1400" dirty="0" smtClean="0"/>
+                        <a:t>Specialist #1</a:t>
+                      </a:r>
+                      <a:endParaRPr lang="en-US" sz="1400" dirty="0"/>
+                    </a:p>
+                  </a:txBody>
+                  <a:tcPr anchor="ctr"/>
+                </a:tc>
+                <a:tc>
+                  <a:txBody>
+                    <a:bodyPr/>
+                    <a:lstStyle/>
+                    <a:p>
+                      <a:pPr algn="ctr"/>
+                      <a:r>
+                        <a:rPr lang="en-CA" sz="1400" dirty="0" smtClean="0"/>
+                        <a:t>Main Loop </a:t>
+                      </a:r>
+                    </a:p>
+                    <a:p>
+                      <a:pPr algn="ctr"/>
+                      <a:r>
+                        <a:rPr lang="en-CA" sz="1400" dirty="0" smtClean="0"/>
+                        <a:t>Specialist #2</a:t>
+                      </a:r>
+                      <a:endParaRPr lang="en-US" sz="1400" dirty="0" smtClean="0"/>
+                    </a:p>
+                  </a:txBody>
+                  <a:tcPr anchor="ctr"/>
+                </a:tc>
+              </a:tr>
+              <a:tr h="586383">
+                <a:tc>
+                  <a:txBody>
+                    <a:bodyPr/>
+                    <a:lstStyle/>
+                    <a:p>
+                      <a:pPr algn="ctr"/>
+                      <a:r>
+                        <a:rPr lang="en-CA" sz="1400" dirty="0" smtClean="0"/>
+                        <a:t>1</a:t>
+                      </a:r>
+                    </a:p>
+                    <a:p>
+                      <a:pPr algn="ctr"/>
+                      <a:r>
+                        <a:rPr lang="en-CA" sz="1400" dirty="0" smtClean="0"/>
+                        <a:t>Range Finder</a:t>
+                      </a:r>
+                      <a:endParaRPr lang="en-US" sz="1400" dirty="0"/>
+                    </a:p>
+                  </a:txBody>
+                  <a:tcPr anchor="ctr"/>
+                </a:tc>
+                <a:tc>
+                  <a:txBody>
+                    <a:bodyPr/>
+                    <a:lstStyle/>
+                    <a:p>
+                      <a:pPr algn="ctr"/>
+                      <a:r>
+                        <a:rPr lang="en-CA" sz="1400" dirty="0" err="1" smtClean="0"/>
+                        <a:t>Bikram</a:t>
+                      </a:r>
+                      <a:endParaRPr lang="en-US" sz="1400" dirty="0"/>
+                    </a:p>
+                  </a:txBody>
+                  <a:tcPr anchor="ctr"/>
+                </a:tc>
+                <a:tc>
+                  <a:txBody>
+                    <a:bodyPr/>
+                    <a:lstStyle/>
+                    <a:p>
+                      <a:pPr algn="ctr"/>
+                      <a:r>
+                        <a:rPr lang="en-CA" sz="1400" dirty="0" err="1" smtClean="0"/>
+                        <a:t>Udistan</a:t>
+                      </a:r>
+                      <a:endParaRPr lang="en-US" sz="1400" dirty="0"/>
+                    </a:p>
+                  </a:txBody>
+                  <a:tcPr anchor="ctr"/>
+                </a:tc>
+                <a:tc>
+                  <a:txBody>
+                    <a:bodyPr/>
+                    <a:lstStyle/>
+                    <a:p>
+                      <a:pPr algn="ctr"/>
+                      <a:r>
+                        <a:rPr lang="en-CA" sz="1400" dirty="0" smtClean="0"/>
+                        <a:t>Harry</a:t>
+                      </a:r>
+                      <a:endParaRPr lang="en-US" sz="1400" dirty="0"/>
+                    </a:p>
+                  </a:txBody>
+                  <a:tcPr anchor="ctr"/>
+                </a:tc>
+                <a:tc>
+                  <a:txBody>
+                    <a:bodyPr/>
+                    <a:lstStyle/>
+                    <a:p>
+                      <a:pPr algn="ctr"/>
+                      <a:endParaRPr lang="en-US" sz="1400" dirty="0"/>
+                    </a:p>
+                  </a:txBody>
+                  <a:tcPr anchor="ctr"/>
+                </a:tc>
+              </a:tr>
+              <a:tr h="586383">
+                <a:tc>
+                  <a:txBody>
+                    <a:bodyPr/>
+                    <a:lstStyle/>
+                    <a:p>
+                      <a:pPr algn="ctr"/>
+                      <a:r>
+                        <a:rPr lang="en-CA" sz="1400" dirty="0" smtClean="0"/>
+                        <a:t>2</a:t>
+                      </a:r>
+                    </a:p>
+                    <a:p>
+                      <a:pPr algn="ctr"/>
+                      <a:r>
+                        <a:rPr lang="en-CA" sz="1400" dirty="0" smtClean="0"/>
+                        <a:t>Motion Sensor</a:t>
+                      </a:r>
+                      <a:endParaRPr lang="en-US" sz="1400" dirty="0"/>
+                    </a:p>
+                  </a:txBody>
+                  <a:tcPr anchor="ctr"/>
+                </a:tc>
+                <a:tc>
+                  <a:txBody>
+                    <a:bodyPr/>
+                    <a:lstStyle/>
+                    <a:p>
+                      <a:pPr algn="ctr"/>
+                      <a:r>
+                        <a:rPr lang="en-CA" sz="1400" dirty="0" err="1" smtClean="0"/>
+                        <a:t>Gurnoor</a:t>
+                      </a:r>
+                      <a:endParaRPr lang="en-US" sz="1400" dirty="0"/>
+                    </a:p>
+                  </a:txBody>
+                  <a:tcPr anchor="ctr"/>
+                </a:tc>
+                <a:tc>
+                  <a:txBody>
+                    <a:bodyPr/>
+                    <a:lstStyle/>
+                    <a:p>
+                      <a:pPr algn="ctr"/>
+                      <a:r>
+                        <a:rPr lang="en-CA" sz="1400" dirty="0" smtClean="0"/>
+                        <a:t>Todd</a:t>
+                      </a:r>
+                      <a:endParaRPr lang="en-US" sz="1400" dirty="0"/>
+                    </a:p>
+                  </a:txBody>
+                  <a:tcPr anchor="ctr"/>
+                </a:tc>
+                <a:tc>
+                  <a:txBody>
+                    <a:bodyPr/>
+                    <a:lstStyle/>
+                    <a:p>
+                      <a:pPr algn="ctr"/>
+                      <a:r>
+                        <a:rPr lang="en-CA" sz="1400" dirty="0" smtClean="0"/>
+                        <a:t>Daniel</a:t>
+                      </a:r>
+                      <a:endParaRPr lang="en-US" sz="1400" dirty="0"/>
+                    </a:p>
+                  </a:txBody>
+                  <a:tcPr anchor="ctr"/>
+                </a:tc>
+                <a:tc>
+                  <a:txBody>
+                    <a:bodyPr/>
+                    <a:lstStyle/>
+                    <a:p>
+                      <a:pPr algn="ctr"/>
+                      <a:r>
+                        <a:rPr lang="en-CA" sz="1400" dirty="0" err="1" smtClean="0"/>
+                        <a:t>Birkiran</a:t>
+                      </a:r>
+                      <a:endParaRPr lang="en-CA" sz="1400" dirty="0" smtClean="0"/>
+                    </a:p>
+                    <a:p>
+                      <a:pPr algn="ctr"/>
+                      <a:r>
+                        <a:rPr lang="en-CA" sz="1400" dirty="0" smtClean="0"/>
+                        <a:t>(</a:t>
+                      </a:r>
+                      <a:r>
+                        <a:rPr lang="en-CA" sz="1400" dirty="0" err="1" smtClean="0"/>
+                        <a:t>Gurnoor</a:t>
+                      </a:r>
+                      <a:r>
+                        <a:rPr lang="en-CA" sz="1400" dirty="0" smtClean="0"/>
+                        <a:t>)</a:t>
+                      </a:r>
+                      <a:endParaRPr lang="en-US" sz="1400" dirty="0"/>
+                    </a:p>
+                  </a:txBody>
+                  <a:tcPr anchor="ctr"/>
+                </a:tc>
+              </a:tr>
+              <a:tr h="586383">
+                <a:tc>
+                  <a:txBody>
+                    <a:bodyPr/>
+                    <a:lstStyle/>
+                    <a:p>
+                      <a:pPr algn="ctr"/>
+                      <a:r>
+                        <a:rPr lang="en-CA" sz="1400" dirty="0" smtClean="0"/>
+                        <a:t>3</a:t>
+                      </a:r>
+                    </a:p>
+                    <a:p>
+                      <a:pPr algn="ctr"/>
+                      <a:r>
+                        <a:rPr lang="en-CA" sz="1400" dirty="0" smtClean="0"/>
+                        <a:t>Light Sensor</a:t>
+                      </a:r>
+                      <a:endParaRPr lang="en-US" sz="1400" dirty="0"/>
+                    </a:p>
+                  </a:txBody>
+                  <a:tcPr anchor="ctr"/>
+                </a:tc>
+                <a:tc>
+                  <a:txBody>
+                    <a:bodyPr/>
+                    <a:lstStyle/>
+                    <a:p>
+                      <a:pPr algn="ctr"/>
+                      <a:r>
+                        <a:rPr lang="en-CA" sz="1400" dirty="0" err="1" smtClean="0"/>
+                        <a:t>Helal</a:t>
+                      </a:r>
+                      <a:endParaRPr lang="en-US" sz="1400" dirty="0"/>
+                    </a:p>
+                  </a:txBody>
+                  <a:tcPr anchor="ctr"/>
+                </a:tc>
+                <a:tc>
+                  <a:txBody>
+                    <a:bodyPr/>
+                    <a:lstStyle/>
+                    <a:p>
+                      <a:pPr algn="ctr"/>
+                      <a:r>
+                        <a:rPr lang="en-CA" sz="1400" dirty="0" err="1" smtClean="0"/>
+                        <a:t>Manveer</a:t>
+                      </a:r>
+                      <a:endParaRPr lang="en-US" sz="1400" dirty="0"/>
+                    </a:p>
+                  </a:txBody>
+                  <a:tcPr anchor="ctr"/>
+                </a:tc>
+                <a:tc>
+                  <a:txBody>
+                    <a:bodyPr/>
+                    <a:lstStyle/>
+                    <a:p>
+                      <a:pPr algn="ctr"/>
+                      <a:r>
+                        <a:rPr lang="en-CA" sz="1400" dirty="0" smtClean="0"/>
+                        <a:t>Karman</a:t>
+                      </a:r>
+                      <a:endParaRPr lang="en-US" sz="1400" dirty="0"/>
+                    </a:p>
+                  </a:txBody>
+                  <a:tcPr anchor="ctr"/>
+                </a:tc>
+                <a:tc>
+                  <a:txBody>
+                    <a:bodyPr/>
+                    <a:lstStyle/>
+                    <a:p>
+                      <a:pPr algn="ctr"/>
+                      <a:r>
+                        <a:rPr lang="en-CA" sz="1400" dirty="0" smtClean="0"/>
+                        <a:t>Amar</a:t>
+                      </a:r>
+                      <a:endParaRPr lang="en-US" sz="1400" dirty="0"/>
+                    </a:p>
+                  </a:txBody>
+                  <a:tcPr anchor="ctr"/>
+                </a:tc>
+              </a:tr>
+              <a:tr h="586383">
+                <a:tc>
+                  <a:txBody>
+                    <a:bodyPr/>
+                    <a:lstStyle/>
+                    <a:p>
+                      <a:pPr algn="ctr"/>
+                      <a:r>
+                        <a:rPr lang="en-CA" sz="1400" dirty="0" smtClean="0"/>
+                        <a:t>4</a:t>
+                      </a:r>
+                    </a:p>
+                    <a:p>
+                      <a:pPr algn="ctr"/>
+                      <a:r>
+                        <a:rPr lang="en-CA" sz="1400" dirty="0" smtClean="0"/>
+                        <a:t>Motion Sensor</a:t>
+                      </a:r>
+                      <a:endParaRPr lang="en-US" sz="1400" dirty="0"/>
+                    </a:p>
+                  </a:txBody>
+                  <a:tcPr anchor="ctr"/>
+                </a:tc>
+                <a:tc>
+                  <a:txBody>
+                    <a:bodyPr/>
+                    <a:lstStyle/>
+                    <a:p>
+                      <a:pPr algn="ctr"/>
+                      <a:r>
+                        <a:rPr lang="en-CA" sz="1400" dirty="0" err="1" smtClean="0"/>
+                        <a:t>Puneet</a:t>
+                      </a:r>
+                      <a:endParaRPr lang="en-US" sz="1400" dirty="0"/>
+                    </a:p>
+                  </a:txBody>
+                  <a:tcPr anchor="ctr"/>
+                </a:tc>
+                <a:tc>
+                  <a:txBody>
+                    <a:bodyPr/>
+                    <a:lstStyle/>
+                    <a:p>
+                      <a:pPr marL="0" marR="0" indent="0" algn="ctr" defTabSz="914400" rtl="0" eaLnBrk="1" fontAlgn="auto" latinLnBrk="0" hangingPunct="1">
+                        <a:lnSpc>
+                          <a:spcPct val="100000"/>
+                        </a:lnSpc>
+                        <a:spcBef>
+                          <a:spcPts val="0"/>
+                        </a:spcBef>
+                        <a:spcAft>
+                          <a:spcPts val="0"/>
+                        </a:spcAft>
+                        <a:buClrTx/>
+                        <a:buSzTx/>
+                        <a:buFontTx/>
+                        <a:buNone/>
+                        <a:tabLst/>
+                        <a:defRPr/>
+                      </a:pPr>
+                      <a:r>
+                        <a:rPr lang="en-CA" sz="1400" dirty="0" err="1" smtClean="0"/>
+                        <a:t>Akashdeep</a:t>
+                      </a:r>
+                      <a:endParaRPr lang="en-US" sz="1400" dirty="0" smtClean="0"/>
+                    </a:p>
+                    <a:p>
+                      <a:pPr algn="ctr"/>
+                      <a:r>
+                        <a:rPr lang="en-CA" sz="1400" dirty="0" smtClean="0"/>
+                        <a:t>(</a:t>
+                      </a:r>
+                      <a:r>
+                        <a:rPr lang="en-CA" sz="1400" dirty="0" err="1" smtClean="0"/>
+                        <a:t>Puneet</a:t>
+                      </a:r>
+                      <a:r>
+                        <a:rPr lang="en-CA" sz="1400" dirty="0" smtClean="0"/>
+                        <a:t>)</a:t>
+                      </a:r>
+                      <a:endParaRPr lang="en-US" sz="1400" dirty="0"/>
+                    </a:p>
+                  </a:txBody>
+                  <a:tcPr anchor="ctr"/>
+                </a:tc>
+                <a:tc>
+                  <a:txBody>
+                    <a:bodyPr/>
+                    <a:lstStyle/>
+                    <a:p>
+                      <a:pPr marL="0" marR="0" indent="0" algn="ctr" defTabSz="914400" rtl="0" eaLnBrk="1" fontAlgn="auto" latinLnBrk="0" hangingPunct="1">
+                        <a:lnSpc>
+                          <a:spcPct val="100000"/>
+                        </a:lnSpc>
+                        <a:spcBef>
+                          <a:spcPts val="0"/>
+                        </a:spcBef>
+                        <a:spcAft>
+                          <a:spcPts val="0"/>
+                        </a:spcAft>
+                        <a:buClrTx/>
+                        <a:buSzTx/>
+                        <a:buFontTx/>
+                        <a:buNone/>
+                        <a:tabLst/>
+                        <a:defRPr/>
+                      </a:pPr>
+                      <a:r>
+                        <a:rPr lang="en-CA" sz="1400" dirty="0" err="1" smtClean="0"/>
+                        <a:t>Akashdeep</a:t>
+                      </a:r>
+                      <a:endParaRPr lang="en-US" sz="1400" dirty="0" smtClean="0"/>
+                    </a:p>
+                  </a:txBody>
+                  <a:tcPr anchor="ctr"/>
+                </a:tc>
+                <a:tc>
+                  <a:txBody>
+                    <a:bodyPr/>
+                    <a:lstStyle/>
+                    <a:p>
+                      <a:pPr algn="ctr"/>
+                      <a:r>
+                        <a:rPr lang="en-CA" sz="1400" dirty="0" smtClean="0"/>
+                        <a:t>Antonio</a:t>
+                      </a:r>
+                      <a:endParaRPr lang="en-US" sz="1400" dirty="0"/>
+                    </a:p>
+                  </a:txBody>
+                  <a:tcPr anchor="ctr"/>
+                </a:tc>
+              </a:tr>
+              <a:tr h="586383">
+                <a:tc>
+                  <a:txBody>
+                    <a:bodyPr/>
+                    <a:lstStyle/>
+                    <a:p>
+                      <a:pPr algn="ctr"/>
+                      <a:r>
+                        <a:rPr lang="en-CA" sz="1400" dirty="0" smtClean="0"/>
+                        <a:t>5</a:t>
+                      </a:r>
+                    </a:p>
+                    <a:p>
+                      <a:pPr algn="ctr"/>
+                      <a:r>
+                        <a:rPr lang="en-CA" sz="1400" dirty="0" err="1" smtClean="0"/>
+                        <a:t>Loght</a:t>
+                      </a:r>
+                      <a:r>
+                        <a:rPr lang="en-CA" sz="1400" dirty="0" smtClean="0"/>
+                        <a:t> Sensor</a:t>
+                      </a:r>
+                      <a:endParaRPr lang="en-US" sz="1400" dirty="0"/>
+                    </a:p>
+                  </a:txBody>
+                  <a:tcPr anchor="ctr"/>
+                </a:tc>
+                <a:tc>
+                  <a:txBody>
+                    <a:bodyPr/>
+                    <a:lstStyle/>
+                    <a:p>
+                      <a:pPr algn="ctr"/>
+                      <a:r>
+                        <a:rPr lang="en-CA" sz="1400" dirty="0" err="1" smtClean="0"/>
+                        <a:t>Jujhar</a:t>
+                      </a:r>
+                      <a:endParaRPr lang="en-US" sz="1400" dirty="0"/>
+                    </a:p>
+                  </a:txBody>
+                  <a:tcPr anchor="ctr"/>
+                </a:tc>
+                <a:tc>
+                  <a:txBody>
+                    <a:bodyPr/>
+                    <a:lstStyle/>
+                    <a:p>
+                      <a:pPr algn="ctr"/>
+                      <a:r>
+                        <a:rPr lang="en-CA" sz="1400" dirty="0" smtClean="0"/>
+                        <a:t>Shemar</a:t>
+                      </a:r>
+                      <a:endParaRPr lang="en-US" sz="1400" dirty="0" smtClean="0"/>
+                    </a:p>
+                    <a:p>
+                      <a:pPr algn="ctr"/>
+                      <a:r>
+                        <a:rPr lang="en-CA" sz="1400" dirty="0" smtClean="0"/>
+                        <a:t>(</a:t>
+                      </a:r>
+                      <a:r>
+                        <a:rPr lang="en-CA" sz="1400" dirty="0" err="1" smtClean="0"/>
+                        <a:t>Jasman</a:t>
+                      </a:r>
+                      <a:r>
+                        <a:rPr lang="en-CA" sz="1400" dirty="0" smtClean="0"/>
+                        <a:t>)</a:t>
+                      </a:r>
+                      <a:endParaRPr lang="en-US" sz="1400" dirty="0"/>
+                    </a:p>
+                  </a:txBody>
+                  <a:tcPr anchor="ctr"/>
+                </a:tc>
+                <a:tc>
+                  <a:txBody>
+                    <a:bodyPr/>
+                    <a:lstStyle/>
+                    <a:p>
+                      <a:pPr algn="ctr"/>
+                      <a:r>
+                        <a:rPr lang="en-CA" sz="1400" dirty="0" err="1" smtClean="0"/>
+                        <a:t>Jujhar</a:t>
+                      </a:r>
+                      <a:endParaRPr lang="en-US" sz="1400" dirty="0"/>
+                    </a:p>
+                  </a:txBody>
+                  <a:tcPr anchor="ctr"/>
+                </a:tc>
+                <a:tc>
+                  <a:txBody>
+                    <a:bodyPr/>
+                    <a:lstStyle/>
+                    <a:p>
+                      <a:pPr algn="ctr"/>
+                      <a:r>
+                        <a:rPr lang="en-CA" sz="1400" dirty="0" err="1" smtClean="0"/>
+                        <a:t>Jasman</a:t>
+                      </a:r>
+                      <a:endParaRPr lang="en-US" sz="1400" dirty="0"/>
+                    </a:p>
+                  </a:txBody>
+                  <a:tcPr anchor="ctr"/>
+                </a:tc>
+              </a:tr>
+              <a:tr h="586383">
+                <a:tc>
+                  <a:txBody>
+                    <a:bodyPr/>
+                    <a:lstStyle/>
+                    <a:p>
+                      <a:pPr algn="ctr"/>
+                      <a:r>
+                        <a:rPr lang="en-CA" sz="1400" dirty="0" smtClean="0"/>
+                        <a:t>6</a:t>
+                      </a:r>
+                    </a:p>
+                    <a:p>
+                      <a:pPr algn="ctr"/>
+                      <a:r>
+                        <a:rPr lang="en-CA" sz="1400" dirty="0" smtClean="0"/>
+                        <a:t>Range Finder</a:t>
+                      </a:r>
+                      <a:endParaRPr lang="en-US" sz="1400" dirty="0"/>
+                    </a:p>
+                  </a:txBody>
+                  <a:tcPr anchor="ctr"/>
+                </a:tc>
+                <a:tc>
+                  <a:txBody>
+                    <a:bodyPr/>
+                    <a:lstStyle/>
+                    <a:p>
+                      <a:pPr algn="ctr"/>
+                      <a:r>
+                        <a:rPr lang="en-CA" sz="1400" dirty="0" smtClean="0"/>
+                        <a:t>Javon</a:t>
+                      </a:r>
+                      <a:endParaRPr lang="en-US" sz="1400" dirty="0"/>
+                    </a:p>
+                  </a:txBody>
+                  <a:tcPr anchor="ctr"/>
+                </a:tc>
+                <a:tc>
+                  <a:txBody>
+                    <a:bodyPr/>
+                    <a:lstStyle/>
+                    <a:p>
+                      <a:pPr algn="ctr"/>
+                      <a:r>
+                        <a:rPr lang="en-CA" sz="1400" dirty="0" smtClean="0"/>
+                        <a:t>Brad</a:t>
+                      </a:r>
+                      <a:endParaRPr lang="en-US" sz="1400" dirty="0"/>
+                    </a:p>
+                  </a:txBody>
+                  <a:tcPr anchor="ctr"/>
+                </a:tc>
+                <a:tc>
+                  <a:txBody>
+                    <a:bodyPr/>
+                    <a:lstStyle/>
+                    <a:p>
+                      <a:pPr algn="ctr"/>
+                      <a:r>
+                        <a:rPr lang="en-CA" sz="1400" dirty="0" err="1" smtClean="0"/>
+                        <a:t>Karamvir</a:t>
+                      </a:r>
+                      <a:endParaRPr lang="en-US" sz="1400" dirty="0"/>
+                    </a:p>
+                  </a:txBody>
+                  <a:tcPr anchor="ctr"/>
+                </a:tc>
+                <a:tc>
+                  <a:txBody>
+                    <a:bodyPr/>
+                    <a:lstStyle/>
+                    <a:p>
+                      <a:pPr algn="ctr"/>
+                      <a:r>
+                        <a:rPr lang="en-CA" sz="1400" dirty="0" smtClean="0"/>
+                        <a:t>Brad</a:t>
+                      </a:r>
+                      <a:endParaRPr lang="en-US" sz="1400" dirty="0"/>
+                    </a:p>
+                  </a:txBody>
+                  <a:tcPr anchor="ctr"/>
+                </a:tc>
+              </a:tr>
+              <a:tr h="586383">
+                <a:tc>
+                  <a:txBody>
+                    <a:bodyPr/>
+                    <a:lstStyle/>
+                    <a:p>
+                      <a:pPr algn="ctr"/>
+                      <a:endParaRPr lang="en-US" sz="1400" dirty="0"/>
+                    </a:p>
+                  </a:txBody>
+                  <a:tcPr anchor="ctr"/>
+                </a:tc>
+                <a:tc>
+                  <a:txBody>
+                    <a:bodyPr/>
+                    <a:lstStyle/>
+                    <a:p>
+                      <a:pPr algn="ctr"/>
+                      <a:endParaRPr lang="en-US" sz="1400" dirty="0"/>
+                    </a:p>
+                  </a:txBody>
+                  <a:tcPr anchor="ctr"/>
+                </a:tc>
+                <a:tc>
+                  <a:txBody>
+                    <a:bodyPr/>
+                    <a:lstStyle/>
+                    <a:p>
+                      <a:pPr algn="ctr"/>
+                      <a:endParaRPr lang="en-US" sz="1400" dirty="0"/>
+                    </a:p>
+                  </a:txBody>
+                  <a:tcPr anchor="ctr"/>
+                </a:tc>
+                <a:tc>
+                  <a:txBody>
+                    <a:bodyPr/>
+                    <a:lstStyle/>
+                    <a:p>
+                      <a:pPr algn="ctr"/>
+                      <a:endParaRPr lang="en-US" sz="1400" dirty="0"/>
+                    </a:p>
+                  </a:txBody>
+                  <a:tcPr anchor="ctr"/>
+                </a:tc>
+                <a:tc>
+                  <a:txBody>
+                    <a:bodyPr/>
+                    <a:lstStyle/>
+                    <a:p>
+                      <a:pPr algn="ctr"/>
+                      <a:endParaRPr lang="en-US" sz="1400" dirty="0"/>
+                    </a:p>
+                  </a:txBody>
+                  <a:tcPr anchor="ctr"/>
+                </a:tc>
+              </a:tr>
+            </a:tbl>
+          </a:graphicData>
+        </a:graphic>
+      </p:graphicFrame>
     </p:spTree>
     <p:extLst>
       <p:ext uri="{BB962C8B-B14F-4D97-AF65-F5344CB8AC3E}">
-        <p14:creationId xmlns:p14="http://schemas.microsoft.com/office/powerpoint/2010/main" val="1401242340"/>
+        <p14:creationId xmlns:p14="http://schemas.microsoft.com/office/powerpoint/2010/main" val="561688918"/>
       </p:ext>
     </p:extLst>
   </p:cSld>
@@ -3991,7 +4773,7 @@
           <a:p>
             <a:r>
               <a:rPr lang="en-CA" dirty="0"/>
-              <a:t>Part 2 – Background Thinking </a:t>
+              <a:t>Part 1 – Example Program</a:t>
             </a:r>
             <a:endParaRPr lang="en-US" dirty="0"/>
           </a:p>
@@ -4018,21 +4800,25 @@
             </a:pPr>
             <a:r>
               <a:rPr lang="en-CA" dirty="0"/>
-              <a:t>List 3 Applications of your sensor.</a:t>
-            </a:r>
-          </a:p>
-          <a:p>
-            <a:pPr marL="914400" lvl="1" indent="-514350"/>
-            <a:r>
+              <a:t>Research Your Sensor</a:t>
+            </a:r>
+            <a:br>
               <a:rPr lang="en-CA" dirty="0"/>
-              <a:t>In the home / school / business</a:t>
-            </a:r>
+            </a:br>
+            <a:endParaRPr lang="en-CA" dirty="0"/>
           </a:p>
           <a:p>
             <a:pPr marL="514350" indent="-514350">
               <a:buFont typeface="+mj-lt"/>
               <a:buAutoNum type="arabicPeriod"/>
             </a:pPr>
+            <a:r>
+              <a:rPr lang="en-CA" dirty="0"/>
+              <a:t>Wire Your Board</a:t>
+            </a:r>
+            <a:br>
+              <a:rPr lang="en-CA" dirty="0"/>
+            </a:br>
             <a:endParaRPr lang="en-CA" dirty="0"/>
           </a:p>
           <a:p>
@@ -4042,23 +4828,22 @@
             </a:pPr>
             <a:r>
               <a:rPr lang="en-CA" dirty="0"/>
-              <a:t>Design an application using your sensor</a:t>
-            </a:r>
-          </a:p>
-          <a:p>
-            <a:pPr lvl="1"/>
-            <a:r>
+              <a:t>Import the Example Program</a:t>
+            </a:r>
+            <a:br>
               <a:rPr lang="en-CA" dirty="0"/>
-              <a:t>Different from the 3 applications above</a:t>
-            </a:r>
-          </a:p>
-          <a:p>
-            <a:pPr lvl="1"/>
+            </a:br>
+            <a:endParaRPr lang="en-CA" dirty="0"/>
+          </a:p>
+          <a:p>
+            <a:pPr marL="514350" indent="-514350">
+              <a:buFont typeface="+mj-lt"/>
+              <a:buAutoNum type="arabicPeriod"/>
+            </a:pPr>
             <a:r>
               <a:rPr lang="en-CA" dirty="0"/>
-              <a:t>Creativity will be rewarded</a:t>
-            </a:r>
-            <a:endParaRPr lang="en-US" dirty="0"/>
+              <a:t>Run the Example Program</a:t>
+            </a:r>
           </a:p>
         </p:txBody>
       </p:sp>
@@ -4070,8 +4855,8 @@
         </p:nvSpPr>
         <p:spPr>
           <a:xfrm>
-            <a:off x="1524000" y="5486400"/>
-            <a:ext cx="6236772" cy="461665"/>
+            <a:off x="1600200" y="5664498"/>
+            <a:ext cx="5273047" cy="461665"/>
           </a:xfrm>
           <a:prstGeom prst="rect">
             <a:avLst/>
@@ -4090,7 +4875,7 @@
                   <a:srgbClr val="FF0000"/>
                 </a:solidFill>
               </a:rPr>
-              <a:t>Show Answers To Mr. Nestor Before Proceeding</a:t>
+              <a:t>Show Your Running Board To Mr. Nestor</a:t>
             </a:r>
             <a:endParaRPr lang="en-US" sz="2400" b="1" dirty="0">
               <a:solidFill>
@@ -4103,7 +4888,7 @@
     </p:spTree>
     <p:extLst>
       <p:ext uri="{BB962C8B-B14F-4D97-AF65-F5344CB8AC3E}">
-        <p14:creationId xmlns:p14="http://schemas.microsoft.com/office/powerpoint/2010/main" val="3141275258"/>
+        <p14:creationId xmlns:p14="http://schemas.microsoft.com/office/powerpoint/2010/main" val="1401242340"/>
       </p:ext>
     </p:extLst>
   </p:cSld>
@@ -4147,7 +4932,7 @@
           <a:p>
             <a:r>
               <a:rPr lang="en-CA" dirty="0"/>
-              <a:t>Part 3 – Designing Your Application</a:t>
+              <a:t>Part 2 – Background Thinking </a:t>
             </a:r>
             <a:endParaRPr lang="en-US" dirty="0"/>
           </a:p>
@@ -4165,9 +4950,7 @@
         </p:nvSpPr>
         <p:spPr/>
         <p:txBody>
-          <a:bodyPr>
-            <a:normAutofit fontScale="70000" lnSpcReduction="20000"/>
-          </a:bodyPr>
+          <a:bodyPr/>
           <a:lstStyle/>
           <a:p>
             <a:pPr marL="514350" indent="-514350">
@@ -4176,36 +4959,14 @@
             </a:pPr>
             <a:r>
               <a:rPr lang="en-CA" dirty="0"/>
-              <a:t>Identify And List The </a:t>
-            </a:r>
-            <a:r>
-              <a:rPr lang="en-CA" u="sng" dirty="0"/>
-              <a:t>Inputs</a:t>
-            </a:r>
+              <a:t>List 3 Applications of your sensor.</a:t>
+            </a:r>
+          </a:p>
+          <a:p>
+            <a:pPr marL="914400" lvl="1" indent="-514350"/>
             <a:r>
               <a:rPr lang="en-CA" dirty="0"/>
-              <a:t>.</a:t>
-            </a:r>
-          </a:p>
-          <a:p>
-            <a:pPr marL="914400" lvl="1" indent="-514350"/>
-            <a:r>
-              <a:rPr lang="en-CA" dirty="0"/>
-              <a:t>Input sensors / devices</a:t>
-            </a:r>
-          </a:p>
-          <a:p>
-            <a:pPr marL="914400" lvl="1" indent="-514350"/>
-            <a:r>
-              <a:rPr lang="en-CA" dirty="0"/>
-              <a:t>Input actions</a:t>
-            </a:r>
-          </a:p>
-          <a:p>
-            <a:pPr marL="914400" lvl="1" indent="-514350"/>
-            <a:r>
-              <a:rPr lang="en-CA" dirty="0"/>
-              <a:t>Commands Typed To The Serial Monitor</a:t>
+              <a:t>In the home / school / business</a:t>
             </a:r>
           </a:p>
           <a:p>
@@ -4222,77 +4983,23 @@
             </a:pPr>
             <a:r>
               <a:rPr lang="en-CA" dirty="0"/>
-              <a:t>Identify And List The </a:t>
-            </a:r>
-            <a:r>
-              <a:rPr lang="en-CA" u="sng" dirty="0"/>
-              <a:t>Outputs</a:t>
-            </a:r>
+              <a:t>Design an application using your sensor</a:t>
+            </a:r>
+          </a:p>
+          <a:p>
+            <a:pPr lvl="1"/>
             <a:r>
               <a:rPr lang="en-CA" dirty="0"/>
-              <a:t>.</a:t>
-            </a:r>
-          </a:p>
-          <a:p>
-            <a:pPr marL="914400" lvl="1" indent="-514350"/>
+              <a:t>Different from the 3 applications above</a:t>
+            </a:r>
+          </a:p>
+          <a:p>
+            <a:pPr lvl="1"/>
             <a:r>
               <a:rPr lang="en-CA" dirty="0"/>
-              <a:t>Output devices</a:t>
-            </a:r>
-          </a:p>
-          <a:p>
-            <a:pPr marL="914400" lvl="1" indent="-514350"/>
-            <a:r>
-              <a:rPr lang="en-CA" dirty="0"/>
-              <a:t>Output actions</a:t>
-            </a:r>
-          </a:p>
-          <a:p>
-            <a:pPr marL="914400" lvl="1" indent="-514350"/>
-            <a:r>
-              <a:rPr lang="en-CA" dirty="0"/>
-              <a:t>Messages Printed To Serial Monitor</a:t>
-            </a:r>
-          </a:p>
-          <a:p>
-            <a:pPr marL="514350" indent="-514350">
-              <a:buFont typeface="+mj-lt"/>
-              <a:buAutoNum type="arabicPeriod"/>
-            </a:pPr>
-            <a:endParaRPr lang="en-CA" dirty="0"/>
-          </a:p>
-          <a:p>
-            <a:pPr marL="514350" indent="-514350">
-              <a:buFont typeface="+mj-lt"/>
-              <a:buAutoNum type="arabicPeriod"/>
-            </a:pPr>
-            <a:r>
-              <a:rPr lang="en-CA" dirty="0"/>
-              <a:t>List All The Program Actions</a:t>
-            </a:r>
-          </a:p>
-          <a:p>
-            <a:pPr lvl="1"/>
-            <a:r>
-              <a:rPr lang="en-CA" dirty="0"/>
-              <a:t>e.g. "If this </a:t>
-            </a:r>
-            <a:r>
-              <a:rPr lang="en-CA" u="sng" dirty="0"/>
-              <a:t>input action </a:t>
-            </a:r>
-            <a:r>
-              <a:rPr lang="en-CA" dirty="0"/>
-              <a:t>occurs then this </a:t>
-            </a:r>
-            <a:r>
-              <a:rPr lang="en-CA" u="sng" dirty="0"/>
-              <a:t>output action </a:t>
-            </a:r>
-            <a:r>
-              <a:rPr lang="en-CA" dirty="0"/>
-              <a:t>will happen."</a:t>
-            </a:r>
+              <a:t>Creativity will be rewarded</a:t>
+            </a:r>
+            <a:endParaRPr lang="en-US" dirty="0"/>
           </a:p>
         </p:txBody>
       </p:sp>
@@ -4304,7 +5011,7 @@
         </p:nvSpPr>
         <p:spPr>
           <a:xfrm>
-            <a:off x="1600200" y="6077892"/>
+            <a:off x="1524000" y="5486400"/>
             <a:ext cx="6236772" cy="461665"/>
           </a:xfrm>
           <a:prstGeom prst="rect">
@@ -4337,7 +5044,7 @@
     </p:spTree>
     <p:extLst>
       <p:ext uri="{BB962C8B-B14F-4D97-AF65-F5344CB8AC3E}">
-        <p14:creationId xmlns:p14="http://schemas.microsoft.com/office/powerpoint/2010/main" val="1395229784"/>
+        <p14:creationId xmlns:p14="http://schemas.microsoft.com/office/powerpoint/2010/main" val="3141275258"/>
       </p:ext>
     </p:extLst>
   </p:cSld>
@@ -4381,6 +5088,240 @@
           <a:p>
             <a:r>
               <a:rPr lang="en-CA" dirty="0"/>
+              <a:t>Part 3 – Designing Your Application</a:t>
+            </a:r>
+            <a:endParaRPr lang="en-US" dirty="0"/>
+          </a:p>
+        </p:txBody>
+      </p:sp>
+      <p:sp>
+        <p:nvSpPr>
+          <p:cNvPr id="3" name="Content Placeholder 2"/>
+          <p:cNvSpPr>
+            <a:spLocks noGrp="1"/>
+          </p:cNvSpPr>
+          <p:nvPr>
+            <p:ph idx="1"/>
+          </p:nvPr>
+        </p:nvSpPr>
+        <p:spPr/>
+        <p:txBody>
+          <a:bodyPr>
+            <a:normAutofit fontScale="70000" lnSpcReduction="20000"/>
+          </a:bodyPr>
+          <a:lstStyle/>
+          <a:p>
+            <a:pPr marL="514350" indent="-514350">
+              <a:buFont typeface="+mj-lt"/>
+              <a:buAutoNum type="arabicPeriod"/>
+            </a:pPr>
+            <a:r>
+              <a:rPr lang="en-CA" dirty="0"/>
+              <a:t>Identify And List The </a:t>
+            </a:r>
+            <a:r>
+              <a:rPr lang="en-CA" u="sng" dirty="0"/>
+              <a:t>Inputs</a:t>
+            </a:r>
+            <a:r>
+              <a:rPr lang="en-CA" dirty="0"/>
+              <a:t>.</a:t>
+            </a:r>
+          </a:p>
+          <a:p>
+            <a:pPr marL="914400" lvl="1" indent="-514350"/>
+            <a:r>
+              <a:rPr lang="en-CA" dirty="0"/>
+              <a:t>Input sensors / devices</a:t>
+            </a:r>
+          </a:p>
+          <a:p>
+            <a:pPr marL="914400" lvl="1" indent="-514350"/>
+            <a:r>
+              <a:rPr lang="en-CA" dirty="0"/>
+              <a:t>Input actions</a:t>
+            </a:r>
+          </a:p>
+          <a:p>
+            <a:pPr marL="914400" lvl="1" indent="-514350"/>
+            <a:r>
+              <a:rPr lang="en-CA" dirty="0"/>
+              <a:t>Commands Typed To The Serial Monitor</a:t>
+            </a:r>
+          </a:p>
+          <a:p>
+            <a:pPr marL="514350" indent="-514350">
+              <a:buFont typeface="+mj-lt"/>
+              <a:buAutoNum type="arabicPeriod"/>
+            </a:pPr>
+            <a:endParaRPr lang="en-CA" dirty="0"/>
+          </a:p>
+          <a:p>
+            <a:pPr marL="514350" indent="-514350">
+              <a:buFont typeface="+mj-lt"/>
+              <a:buAutoNum type="arabicPeriod"/>
+            </a:pPr>
+            <a:r>
+              <a:rPr lang="en-CA" dirty="0"/>
+              <a:t>Identify And List The </a:t>
+            </a:r>
+            <a:r>
+              <a:rPr lang="en-CA" u="sng" dirty="0"/>
+              <a:t>Outputs</a:t>
+            </a:r>
+            <a:r>
+              <a:rPr lang="en-CA" dirty="0"/>
+              <a:t>.</a:t>
+            </a:r>
+          </a:p>
+          <a:p>
+            <a:pPr marL="914400" lvl="1" indent="-514350"/>
+            <a:r>
+              <a:rPr lang="en-CA" dirty="0"/>
+              <a:t>Output devices</a:t>
+            </a:r>
+          </a:p>
+          <a:p>
+            <a:pPr marL="914400" lvl="1" indent="-514350"/>
+            <a:r>
+              <a:rPr lang="en-CA" dirty="0"/>
+              <a:t>Output actions</a:t>
+            </a:r>
+          </a:p>
+          <a:p>
+            <a:pPr marL="914400" lvl="1" indent="-514350"/>
+            <a:r>
+              <a:rPr lang="en-CA" dirty="0"/>
+              <a:t>Messages Printed To Serial Monitor</a:t>
+            </a:r>
+          </a:p>
+          <a:p>
+            <a:pPr marL="514350" indent="-514350">
+              <a:buFont typeface="+mj-lt"/>
+              <a:buAutoNum type="arabicPeriod"/>
+            </a:pPr>
+            <a:endParaRPr lang="en-CA" dirty="0"/>
+          </a:p>
+          <a:p>
+            <a:pPr marL="514350" indent="-514350">
+              <a:buFont typeface="+mj-lt"/>
+              <a:buAutoNum type="arabicPeriod"/>
+            </a:pPr>
+            <a:r>
+              <a:rPr lang="en-CA" dirty="0"/>
+              <a:t>List All The Program Actions</a:t>
+            </a:r>
+          </a:p>
+          <a:p>
+            <a:pPr lvl="1"/>
+            <a:r>
+              <a:rPr lang="en-CA" dirty="0"/>
+              <a:t>e.g. "If this </a:t>
+            </a:r>
+            <a:r>
+              <a:rPr lang="en-CA" u="sng" dirty="0"/>
+              <a:t>input action </a:t>
+            </a:r>
+            <a:r>
+              <a:rPr lang="en-CA" dirty="0"/>
+              <a:t>occurs then this </a:t>
+            </a:r>
+            <a:r>
+              <a:rPr lang="en-CA" u="sng" dirty="0"/>
+              <a:t>output action </a:t>
+            </a:r>
+            <a:r>
+              <a:rPr lang="en-CA" dirty="0"/>
+              <a:t>will happen."</a:t>
+            </a:r>
+          </a:p>
+        </p:txBody>
+      </p:sp>
+      <p:sp>
+        <p:nvSpPr>
+          <p:cNvPr id="4" name="TextBox 3"/>
+          <p:cNvSpPr txBox="1"/>
+          <p:nvPr/>
+        </p:nvSpPr>
+        <p:spPr>
+          <a:xfrm>
+            <a:off x="1600200" y="6077892"/>
+            <a:ext cx="6236772" cy="461665"/>
+          </a:xfrm>
+          <a:prstGeom prst="rect">
+            <a:avLst/>
+          </a:prstGeom>
+          <a:noFill/>
+        </p:spPr>
+        <p:txBody>
+          <a:bodyPr wrap="none" rtlCol="0">
+            <a:spAutoFit/>
+          </a:bodyPr>
+          <a:lstStyle/>
+          <a:p>
+            <a:r>
+              <a:rPr lang="en-CA" sz="2400" b="1" dirty="0">
+                <a:solidFill>
+                  <a:srgbClr val="FF0000"/>
+                </a:solidFill>
+              </a:rPr>
+              <a:t>Show Answers To Mr. Nestor Before Proceeding</a:t>
+            </a:r>
+            <a:endParaRPr lang="en-US" sz="2400" b="1" dirty="0">
+              <a:solidFill>
+                <a:srgbClr val="FF0000"/>
+              </a:solidFill>
+            </a:endParaRPr>
+          </a:p>
+        </p:txBody>
+      </p:sp>
+    </p:spTree>
+    <p:extLst>
+      <p:ext uri="{BB962C8B-B14F-4D97-AF65-F5344CB8AC3E}">
+        <p14:creationId xmlns:p14="http://schemas.microsoft.com/office/powerpoint/2010/main" val="1395229784"/>
+      </p:ext>
+    </p:extLst>
+  </p:cSld>
+  <p:clrMapOvr>
+    <a:masterClrMapping/>
+  </p:clrMapOvr>
+</p:sld>
+</file>
+
+<file path=ppt/slides/slide7.xml><?xml version="1.0" encoding="utf-8"?>
+<p:sld xmlns:a="http://schemas.openxmlformats.org/drawingml/2006/main" xmlns:r="http://schemas.openxmlformats.org/officeDocument/2006/relationships" xmlns:p="http://schemas.openxmlformats.org/presentationml/2006/main">
+  <p:cSld>
+    <p:spTree>
+      <p:nvGrpSpPr>
+        <p:cNvPr id="1" name=""/>
+        <p:cNvGrpSpPr/>
+        <p:nvPr/>
+      </p:nvGrpSpPr>
+      <p:grpSpPr>
+        <a:xfrm>
+          <a:off x="0" y="0"/>
+          <a:ext cx="0" cy="0"/>
+          <a:chOff x="0" y="0"/>
+          <a:chExt cx="0" cy="0"/>
+        </a:xfrm>
+      </p:grpSpPr>
+      <p:sp>
+        <p:nvSpPr>
+          <p:cNvPr id="2" name="Title 1"/>
+          <p:cNvSpPr>
+            <a:spLocks noGrp="1"/>
+          </p:cNvSpPr>
+          <p:nvPr>
+            <p:ph type="title"/>
+          </p:nvPr>
+        </p:nvSpPr>
+        <p:spPr/>
+        <p:txBody>
+          <a:bodyPr/>
+          <a:lstStyle/>
+          <a:p>
+            <a:r>
+              <a:rPr lang="en-CA" dirty="0"/>
               <a:t>Part 4 – Designing Your Program</a:t>
             </a:r>
             <a:endParaRPr lang="en-US" dirty="0"/>
@@ -4544,7 +5485,7 @@
 </p:sld>
 </file>
 
-<file path=ppt/slides/slide7.xml><?xml version="1.0" encoding="utf-8"?>
+<file path=ppt/slides/slide8.xml><?xml version="1.0" encoding="utf-8"?>
 <p:sld xmlns:a="http://schemas.openxmlformats.org/drawingml/2006/main" xmlns:r="http://schemas.openxmlformats.org/officeDocument/2006/relationships" xmlns:p="http://schemas.openxmlformats.org/presentationml/2006/main">
   <p:cSld>
     <p:spTree>
@@ -4793,7 +5734,7 @@
 </p:sld>
 </file>
 
-<file path=ppt/slides/slide8.xml><?xml version="1.0" encoding="utf-8"?>
+<file path=ppt/slides/slide9.xml><?xml version="1.0" encoding="utf-8"?>
 <p:sld xmlns:a="http://schemas.openxmlformats.org/drawingml/2006/main" xmlns:r="http://schemas.openxmlformats.org/officeDocument/2006/relationships" xmlns:p="http://schemas.openxmlformats.org/presentationml/2006/main">
   <p:cSld>
     <p:spTree>
@@ -4913,135 +5854,6 @@
     <p:extLst>
       <p:ext uri="{BB962C8B-B14F-4D97-AF65-F5344CB8AC3E}">
         <p14:creationId xmlns:p14="http://schemas.microsoft.com/office/powerpoint/2010/main" val="3715790465"/>
-      </p:ext>
-    </p:extLst>
-  </p:cSld>
-  <p:clrMapOvr>
-    <a:masterClrMapping/>
-  </p:clrMapOvr>
-</p:sld>
-</file>
-
-<file path=ppt/slides/slide9.xml><?xml version="1.0" encoding="utf-8"?>
-<p:sld xmlns:a="http://schemas.openxmlformats.org/drawingml/2006/main" xmlns:r="http://schemas.openxmlformats.org/officeDocument/2006/relationships" xmlns:p="http://schemas.openxmlformats.org/presentationml/2006/main">
-  <p:cSld>
-    <p:spTree>
-      <p:nvGrpSpPr>
-        <p:cNvPr id="1" name=""/>
-        <p:cNvGrpSpPr/>
-        <p:nvPr/>
-      </p:nvGrpSpPr>
-      <p:grpSpPr>
-        <a:xfrm>
-          <a:off x="0" y="0"/>
-          <a:ext cx="0" cy="0"/>
-          <a:chOff x="0" y="0"/>
-          <a:chExt cx="0" cy="0"/>
-        </a:xfrm>
-      </p:grpSpPr>
-      <p:sp>
-        <p:nvSpPr>
-          <p:cNvPr id="2" name="Title 1"/>
-          <p:cNvSpPr>
-            <a:spLocks noGrp="1"/>
-          </p:cNvSpPr>
-          <p:nvPr>
-            <p:ph type="title"/>
-          </p:nvPr>
-        </p:nvSpPr>
-        <p:spPr/>
-        <p:txBody>
-          <a:bodyPr/>
-          <a:lstStyle/>
-          <a:p>
-            <a:r>
-              <a:rPr lang="en-CA" dirty="0"/>
-              <a:t>Action – Cat Like Objects</a:t>
-            </a:r>
-            <a:endParaRPr lang="en-US" dirty="0"/>
-          </a:p>
-        </p:txBody>
-      </p:sp>
-      <p:sp>
-        <p:nvSpPr>
-          <p:cNvPr id="3" name="Content Placeholder 2"/>
-          <p:cNvSpPr>
-            <a:spLocks noGrp="1"/>
-          </p:cNvSpPr>
-          <p:nvPr>
-            <p:ph idx="1"/>
-          </p:nvPr>
-        </p:nvSpPr>
-        <p:spPr/>
-        <p:txBody>
-          <a:bodyPr/>
-          <a:lstStyle/>
-          <a:p>
-            <a:r>
-              <a:rPr lang="en-CA" dirty="0"/>
-              <a:t>Input Object:</a:t>
-            </a:r>
-          </a:p>
-          <a:p>
-            <a:endParaRPr lang="en-CA" dirty="0"/>
-          </a:p>
-          <a:p>
-            <a:endParaRPr lang="en-CA" dirty="0"/>
-          </a:p>
-          <a:p>
-            <a:r>
-              <a:rPr lang="en-CA" dirty="0"/>
-              <a:t>Action:</a:t>
-            </a:r>
-            <a:endParaRPr lang="en-US" dirty="0"/>
-          </a:p>
-        </p:txBody>
-      </p:sp>
-      <p:pic>
-        <p:nvPicPr>
-          <p:cNvPr id="1026" name="Picture 2" descr="https://maxcdn.icons8.com/Share/icon/Household/garage_closed1600.png"/>
-          <p:cNvPicPr>
-            <a:picLocks noChangeAspect="1" noChangeArrowheads="1"/>
-          </p:cNvPicPr>
-          <p:nvPr/>
-        </p:nvPicPr>
-        <p:blipFill>
-          <a:blip r:embed="rId2" cstate="print">
-            <a:extLst>
-              <a:ext uri="{28A0092B-C50C-407E-A947-70E740481C1C}">
-                <a14:useLocalDpi xmlns:a14="http://schemas.microsoft.com/office/drawing/2010/main" val="0"/>
-              </a:ext>
-            </a:extLst>
-          </a:blip>
-          <a:srcRect/>
-          <a:stretch>
-            <a:fillRect/>
-          </a:stretch>
-        </p:blipFill>
-        <p:spPr bwMode="auto">
-          <a:xfrm>
-            <a:off x="4343400" y="1752600"/>
-            <a:ext cx="2645568" cy="2645568"/>
-          </a:xfrm>
-          <a:prstGeom prst="rect">
-            <a:avLst/>
-          </a:prstGeom>
-          <a:noFill/>
-          <a:extLst>
-            <a:ext uri="{909E8E84-426E-40DD-AFC4-6F175D3DCCD1}">
-              <a14:hiddenFill xmlns:a14="http://schemas.microsoft.com/office/drawing/2010/main">
-                <a:solidFill>
-                  <a:srgbClr val="FFFFFF"/>
-                </a:solidFill>
-              </a14:hiddenFill>
-            </a:ext>
-          </a:extLst>
-        </p:spPr>
-      </p:pic>
-    </p:spTree>
-    <p:extLst>
-      <p:ext uri="{BB962C8B-B14F-4D97-AF65-F5344CB8AC3E}">
-        <p14:creationId xmlns:p14="http://schemas.microsoft.com/office/powerpoint/2010/main" val="3120621960"/>
       </p:ext>
     </p:extLst>
   </p:cSld>
